--- a/304-함수와 스코프/304-4.콜백함수.pptx
+++ b/304-함수와 스코프/304-4.콜백함수.pptx
@@ -113,6 +113,11 @@
       </a:defRPr>
     </a:lvl9pPr>
   </p:defaultTextStyle>
+  <p:extLst>
+    <p:ext uri="{EFAFB233-063F-42B5-8137-9DF3F51BA10A}">
+      <p15:sldGuideLst xmlns:p15="http://schemas.microsoft.com/office/powerpoint/2012/main"/>
+    </p:ext>
+  </p:extLst>
 </p:presentation>
 </file>
 
@@ -263,7 +268,7 @@
           <a:p>
             <a:fld id="{8E30EC5A-7F56-49E9-96A7-37CFE4DBDB78}" type="datetimeFigureOut">
               <a:rPr lang="ko-KR" altLang="en-US" smtClean="0"/>
-              <a:t>2023-05-20</a:t>
+              <a:t>2023-05-25</a:t>
             </a:fld>
             <a:endParaRPr lang="ko-KR" altLang="en-US"/>
           </a:p>
@@ -461,7 +466,7 @@
           <a:p>
             <a:fld id="{8E30EC5A-7F56-49E9-96A7-37CFE4DBDB78}" type="datetimeFigureOut">
               <a:rPr lang="ko-KR" altLang="en-US" smtClean="0"/>
-              <a:t>2023-05-20</a:t>
+              <a:t>2023-05-25</a:t>
             </a:fld>
             <a:endParaRPr lang="ko-KR" altLang="en-US"/>
           </a:p>
@@ -669,7 +674,7 @@
           <a:p>
             <a:fld id="{8E30EC5A-7F56-49E9-96A7-37CFE4DBDB78}" type="datetimeFigureOut">
               <a:rPr lang="ko-KR" altLang="en-US" smtClean="0"/>
-              <a:t>2023-05-20</a:t>
+              <a:t>2023-05-25</a:t>
             </a:fld>
             <a:endParaRPr lang="ko-KR" altLang="en-US"/>
           </a:p>
@@ -867,7 +872,7 @@
           <a:p>
             <a:fld id="{8E30EC5A-7F56-49E9-96A7-37CFE4DBDB78}" type="datetimeFigureOut">
               <a:rPr lang="ko-KR" altLang="en-US" smtClean="0"/>
-              <a:t>2023-05-20</a:t>
+              <a:t>2023-05-25</a:t>
             </a:fld>
             <a:endParaRPr lang="ko-KR" altLang="en-US"/>
           </a:p>
@@ -1142,7 +1147,7 @@
           <a:p>
             <a:fld id="{8E30EC5A-7F56-49E9-96A7-37CFE4DBDB78}" type="datetimeFigureOut">
               <a:rPr lang="ko-KR" altLang="en-US" smtClean="0"/>
-              <a:t>2023-05-20</a:t>
+              <a:t>2023-05-25</a:t>
             </a:fld>
             <a:endParaRPr lang="ko-KR" altLang="en-US"/>
           </a:p>
@@ -1407,7 +1412,7 @@
           <a:p>
             <a:fld id="{8E30EC5A-7F56-49E9-96A7-37CFE4DBDB78}" type="datetimeFigureOut">
               <a:rPr lang="ko-KR" altLang="en-US" smtClean="0"/>
-              <a:t>2023-05-20</a:t>
+              <a:t>2023-05-25</a:t>
             </a:fld>
             <a:endParaRPr lang="ko-KR" altLang="en-US"/>
           </a:p>
@@ -1819,7 +1824,7 @@
           <a:p>
             <a:fld id="{8E30EC5A-7F56-49E9-96A7-37CFE4DBDB78}" type="datetimeFigureOut">
               <a:rPr lang="ko-KR" altLang="en-US" smtClean="0"/>
-              <a:t>2023-05-20</a:t>
+              <a:t>2023-05-25</a:t>
             </a:fld>
             <a:endParaRPr lang="ko-KR" altLang="en-US"/>
           </a:p>
@@ -1960,7 +1965,7 @@
           <a:p>
             <a:fld id="{8E30EC5A-7F56-49E9-96A7-37CFE4DBDB78}" type="datetimeFigureOut">
               <a:rPr lang="ko-KR" altLang="en-US" smtClean="0"/>
-              <a:t>2023-05-20</a:t>
+              <a:t>2023-05-25</a:t>
             </a:fld>
             <a:endParaRPr lang="ko-KR" altLang="en-US"/>
           </a:p>
@@ -2073,7 +2078,7 @@
           <a:p>
             <a:fld id="{8E30EC5A-7F56-49E9-96A7-37CFE4DBDB78}" type="datetimeFigureOut">
               <a:rPr lang="ko-KR" altLang="en-US" smtClean="0"/>
-              <a:t>2023-05-20</a:t>
+              <a:t>2023-05-25</a:t>
             </a:fld>
             <a:endParaRPr lang="ko-KR" altLang="en-US"/>
           </a:p>
@@ -2384,7 +2389,7 @@
           <a:p>
             <a:fld id="{8E30EC5A-7F56-49E9-96A7-37CFE4DBDB78}" type="datetimeFigureOut">
               <a:rPr lang="ko-KR" altLang="en-US" smtClean="0"/>
-              <a:t>2023-05-20</a:t>
+              <a:t>2023-05-25</a:t>
             </a:fld>
             <a:endParaRPr lang="ko-KR" altLang="en-US"/>
           </a:p>
@@ -2672,7 +2677,7 @@
           <a:p>
             <a:fld id="{8E30EC5A-7F56-49E9-96A7-37CFE4DBDB78}" type="datetimeFigureOut">
               <a:rPr lang="ko-KR" altLang="en-US" smtClean="0"/>
-              <a:t>2023-05-20</a:t>
+              <a:t>2023-05-25</a:t>
             </a:fld>
             <a:endParaRPr lang="ko-KR" altLang="en-US"/>
           </a:p>
@@ -2913,7 +2918,7 @@
           <a:p>
             <a:fld id="{8E30EC5A-7F56-49E9-96A7-37CFE4DBDB78}" type="datetimeFigureOut">
               <a:rPr lang="ko-KR" altLang="en-US" smtClean="0"/>
-              <a:t>2023-05-20</a:t>
+              <a:t>2023-05-25</a:t>
             </a:fld>
             <a:endParaRPr lang="ko-KR" altLang="en-US"/>
           </a:p>
@@ -4539,7 +4544,7 @@
                 <a:ea typeface="KoPubWorld돋움체 Bold" panose="00000800000000000000" pitchFamily="2" charset="-127"/>
                 <a:cs typeface="KoPubWorld돋움체 Bold" panose="00000800000000000000" pitchFamily="2" charset="-127"/>
               </a:rPr>
-              <a:t>골백함수</a:t>
+              <a:t>콜백함수</a:t>
             </a:r>
             <a:r>
               <a:rPr lang="en-US" altLang="ko-KR" sz="4000" dirty="0">
